--- a/figures/HandDrawnFigures.pptx
+++ b/figures/HandDrawnFigures.pptx
@@ -6,7 +6,8 @@
   </p:sldMasterIdLst>
   <p:sldIdLst>
     <p:sldId id="256" r:id="rId2"/>
-    <p:sldId id="257" r:id="rId3"/>
+    <p:sldId id="258" r:id="rId3"/>
+    <p:sldId id="257" r:id="rId4"/>
   </p:sldIdLst>
   <p:sldSz cx="12192000" cy="6858000"/>
   <p:notesSz cx="6858000" cy="9144000"/>
@@ -105,6 +106,11 @@
       </a:defRPr>
     </a:lvl9pPr>
   </p:defaultTextStyle>
+  <p:extLst>
+    <p:ext uri="{EFAFB233-063F-42B5-8137-9DF3F51BA10A}">
+      <p15:sldGuideLst xmlns:p15="http://schemas.microsoft.com/office/powerpoint/2012/main"/>
+    </p:ext>
+  </p:extLst>
 </p:presentation>
 </file>
 
@@ -239,7 +245,7 @@
           <a:p>
             <a:fld id="{F55B2C67-0923-417A-9DAB-21E8594C187F}" type="datetimeFigureOut">
               <a:rPr lang="en-US" smtClean="0"/>
-              <a:t>11/30/2021</a:t>
+              <a:t>12/20/2021</a:t>
             </a:fld>
             <a:endParaRPr lang="en-US"/>
           </a:p>
@@ -409,7 +415,7 @@
           <a:p>
             <a:fld id="{F55B2C67-0923-417A-9DAB-21E8594C187F}" type="datetimeFigureOut">
               <a:rPr lang="en-US" smtClean="0"/>
-              <a:t>11/30/2021</a:t>
+              <a:t>12/20/2021</a:t>
             </a:fld>
             <a:endParaRPr lang="en-US"/>
           </a:p>
@@ -589,7 +595,7 @@
           <a:p>
             <a:fld id="{F55B2C67-0923-417A-9DAB-21E8594C187F}" type="datetimeFigureOut">
               <a:rPr lang="en-US" smtClean="0"/>
-              <a:t>11/30/2021</a:t>
+              <a:t>12/20/2021</a:t>
             </a:fld>
             <a:endParaRPr lang="en-US"/>
           </a:p>
@@ -759,7 +765,7 @@
           <a:p>
             <a:fld id="{F55B2C67-0923-417A-9DAB-21E8594C187F}" type="datetimeFigureOut">
               <a:rPr lang="en-US" smtClean="0"/>
-              <a:t>11/30/2021</a:t>
+              <a:t>12/20/2021</a:t>
             </a:fld>
             <a:endParaRPr lang="en-US"/>
           </a:p>
@@ -1005,7 +1011,7 @@
           <a:p>
             <a:fld id="{F55B2C67-0923-417A-9DAB-21E8594C187F}" type="datetimeFigureOut">
               <a:rPr lang="en-US" smtClean="0"/>
-              <a:t>11/30/2021</a:t>
+              <a:t>12/20/2021</a:t>
             </a:fld>
             <a:endParaRPr lang="en-US"/>
           </a:p>
@@ -1237,7 +1243,7 @@
           <a:p>
             <a:fld id="{F55B2C67-0923-417A-9DAB-21E8594C187F}" type="datetimeFigureOut">
               <a:rPr lang="en-US" smtClean="0"/>
-              <a:t>11/30/2021</a:t>
+              <a:t>12/20/2021</a:t>
             </a:fld>
             <a:endParaRPr lang="en-US"/>
           </a:p>
@@ -1604,7 +1610,7 @@
           <a:p>
             <a:fld id="{F55B2C67-0923-417A-9DAB-21E8594C187F}" type="datetimeFigureOut">
               <a:rPr lang="en-US" smtClean="0"/>
-              <a:t>11/30/2021</a:t>
+              <a:t>12/20/2021</a:t>
             </a:fld>
             <a:endParaRPr lang="en-US"/>
           </a:p>
@@ -1722,7 +1728,7 @@
           <a:p>
             <a:fld id="{F55B2C67-0923-417A-9DAB-21E8594C187F}" type="datetimeFigureOut">
               <a:rPr lang="en-US" smtClean="0"/>
-              <a:t>11/30/2021</a:t>
+              <a:t>12/20/2021</a:t>
             </a:fld>
             <a:endParaRPr lang="en-US"/>
           </a:p>
@@ -1817,7 +1823,7 @@
           <a:p>
             <a:fld id="{F55B2C67-0923-417A-9DAB-21E8594C187F}" type="datetimeFigureOut">
               <a:rPr lang="en-US" smtClean="0"/>
-              <a:t>11/30/2021</a:t>
+              <a:t>12/20/2021</a:t>
             </a:fld>
             <a:endParaRPr lang="en-US"/>
           </a:p>
@@ -2094,7 +2100,7 @@
           <a:p>
             <a:fld id="{F55B2C67-0923-417A-9DAB-21E8594C187F}" type="datetimeFigureOut">
               <a:rPr lang="en-US" smtClean="0"/>
-              <a:t>11/30/2021</a:t>
+              <a:t>12/20/2021</a:t>
             </a:fld>
             <a:endParaRPr lang="en-US"/>
           </a:p>
@@ -2347,7 +2353,7 @@
           <a:p>
             <a:fld id="{F55B2C67-0923-417A-9DAB-21E8594C187F}" type="datetimeFigureOut">
               <a:rPr lang="en-US" smtClean="0"/>
-              <a:t>11/30/2021</a:t>
+              <a:t>12/20/2021</a:t>
             </a:fld>
             <a:endParaRPr lang="en-US"/>
           </a:p>
@@ -2560,7 +2566,7 @@
           <a:p>
             <a:fld id="{F55B2C67-0923-417A-9DAB-21E8594C187F}" type="datetimeFigureOut">
               <a:rPr lang="en-US" smtClean="0"/>
-              <a:t>11/30/2021</a:t>
+              <a:t>12/20/2021</a:t>
             </a:fld>
             <a:endParaRPr lang="en-US"/>
           </a:p>
@@ -4177,6 +4183,1350 @@
           <a:chExt cx="0" cy="0"/>
         </a:xfrm>
       </p:grpSpPr>
+      <p:pic>
+        <p:nvPicPr>
+          <p:cNvPr id="24" name="Picture 23"/>
+          <p:cNvPicPr>
+            <a:picLocks noChangeAspect="1"/>
+          </p:cNvPicPr>
+          <p:nvPr/>
+        </p:nvPicPr>
+        <p:blipFill>
+          <a:blip r:embed="rId2"/>
+          <a:stretch>
+            <a:fillRect/>
+          </a:stretch>
+        </p:blipFill>
+        <p:spPr>
+          <a:xfrm rot="4288163">
+            <a:off x="3225000" y="2305281"/>
+            <a:ext cx="542366" cy="552504"/>
+          </a:xfrm>
+          <a:prstGeom prst="rect">
+            <a:avLst/>
+          </a:prstGeom>
+        </p:spPr>
+      </p:pic>
+      <p:pic>
+        <p:nvPicPr>
+          <p:cNvPr id="25" name="Picture 24"/>
+          <p:cNvPicPr>
+            <a:picLocks noChangeAspect="1"/>
+          </p:cNvPicPr>
+          <p:nvPr/>
+        </p:nvPicPr>
+        <p:blipFill>
+          <a:blip r:embed="rId2"/>
+          <a:stretch>
+            <a:fillRect/>
+          </a:stretch>
+        </p:blipFill>
+        <p:spPr>
+          <a:xfrm rot="3252979">
+            <a:off x="343182" y="4523837"/>
+            <a:ext cx="542366" cy="552504"/>
+          </a:xfrm>
+          <a:prstGeom prst="rect">
+            <a:avLst/>
+          </a:prstGeom>
+        </p:spPr>
+      </p:pic>
+      <p:sp>
+        <p:nvSpPr>
+          <p:cNvPr id="36" name="Freeform 35"/>
+          <p:cNvSpPr/>
+          <p:nvPr/>
+        </p:nvSpPr>
+        <p:spPr>
+          <a:xfrm rot="3252979">
+            <a:off x="204332" y="4296441"/>
+            <a:ext cx="441325" cy="244248"/>
+          </a:xfrm>
+          <a:custGeom>
+            <a:avLst/>
+            <a:gdLst>
+              <a:gd name="connsiteX0" fmla="*/ 0 w 441325"/>
+              <a:gd name="connsiteY0" fmla="*/ 244248 h 244248"/>
+              <a:gd name="connsiteX1" fmla="*/ 209550 w 441325"/>
+              <a:gd name="connsiteY1" fmla="*/ 6123 h 244248"/>
+              <a:gd name="connsiteX2" fmla="*/ 441325 w 441325"/>
+              <a:gd name="connsiteY2" fmla="*/ 69623 h 244248"/>
+            </a:gdLst>
+            <a:ahLst/>
+            <a:cxnLst>
+              <a:cxn ang="0">
+                <a:pos x="connsiteX0" y="connsiteY0"/>
+              </a:cxn>
+              <a:cxn ang="0">
+                <a:pos x="connsiteX1" y="connsiteY1"/>
+              </a:cxn>
+              <a:cxn ang="0">
+                <a:pos x="connsiteX2" y="connsiteY2"/>
+              </a:cxn>
+            </a:cxnLst>
+            <a:rect l="l" t="t" r="r" b="b"/>
+            <a:pathLst>
+              <a:path w="441325" h="244248">
+                <a:moveTo>
+                  <a:pt x="0" y="244248"/>
+                </a:moveTo>
+                <a:cubicBezTo>
+                  <a:pt x="67998" y="139737"/>
+                  <a:pt x="135996" y="35227"/>
+                  <a:pt x="209550" y="6123"/>
+                </a:cubicBezTo>
+                <a:cubicBezTo>
+                  <a:pt x="283104" y="-22981"/>
+                  <a:pt x="438679" y="60627"/>
+                  <a:pt x="441325" y="69623"/>
+                </a:cubicBezTo>
+              </a:path>
+            </a:pathLst>
+          </a:custGeom>
+          <a:ln>
+            <a:solidFill>
+              <a:schemeClr val="tx1"/>
+            </a:solidFill>
+          </a:ln>
+        </p:spPr>
+        <p:style>
+          <a:lnRef idx="1">
+            <a:schemeClr val="accent1"/>
+          </a:lnRef>
+          <a:fillRef idx="0">
+            <a:schemeClr val="accent1"/>
+          </a:fillRef>
+          <a:effectRef idx="0">
+            <a:schemeClr val="accent1"/>
+          </a:effectRef>
+          <a:fontRef idx="minor">
+            <a:schemeClr val="tx1"/>
+          </a:fontRef>
+        </p:style>
+        <p:txBody>
+          <a:bodyPr rtlCol="0" anchor="ctr"/>
+          <a:lstStyle/>
+          <a:p>
+            <a:pPr algn="ctr"/>
+            <a:endParaRPr lang="en-US">
+              <a:solidFill>
+                <a:schemeClr val="tx1"/>
+              </a:solidFill>
+            </a:endParaRPr>
+          </a:p>
+        </p:txBody>
+      </p:sp>
+      <p:sp>
+        <p:nvSpPr>
+          <p:cNvPr id="4" name="Rectangle 3"/>
+          <p:cNvSpPr/>
+          <p:nvPr/>
+        </p:nvSpPr>
+        <p:spPr>
+          <a:xfrm>
+            <a:off x="59030" y="2268638"/>
+            <a:ext cx="3900668" cy="2280213"/>
+          </a:xfrm>
+          <a:prstGeom prst="rect">
+            <a:avLst/>
+          </a:prstGeom>
+          <a:noFill/>
+          <a:ln>
+            <a:solidFill>
+              <a:schemeClr val="tx1"/>
+            </a:solidFill>
+          </a:ln>
+        </p:spPr>
+        <p:style>
+          <a:lnRef idx="2">
+            <a:schemeClr val="accent1">
+              <a:shade val="50000"/>
+            </a:schemeClr>
+          </a:lnRef>
+          <a:fillRef idx="1">
+            <a:schemeClr val="accent1"/>
+          </a:fillRef>
+          <a:effectRef idx="0">
+            <a:schemeClr val="accent1"/>
+          </a:effectRef>
+          <a:fontRef idx="minor">
+            <a:schemeClr val="lt1"/>
+          </a:fontRef>
+        </p:style>
+        <p:txBody>
+          <a:bodyPr rtlCol="0" anchor="ctr"/>
+          <a:lstStyle/>
+          <a:p>
+            <a:pPr algn="ctr"/>
+            <a:r>
+              <a:rPr lang="en-US" dirty="0" smtClean="0"/>
+              <a:t>CV</a:t>
+            </a:r>
+            <a:endParaRPr lang="en-US" dirty="0"/>
+          </a:p>
+        </p:txBody>
+      </p:sp>
+      <p:sp>
+        <p:nvSpPr>
+          <p:cNvPr id="7" name="TextBox 6"/>
+          <p:cNvSpPr txBox="1"/>
+          <p:nvPr/>
+        </p:nvSpPr>
+        <p:spPr>
+          <a:xfrm>
+            <a:off x="24809" y="1899306"/>
+            <a:ext cx="1093633" cy="369332"/>
+          </a:xfrm>
+          <a:prstGeom prst="rect">
+            <a:avLst/>
+          </a:prstGeom>
+          <a:noFill/>
+        </p:spPr>
+        <p:txBody>
+          <a:bodyPr wrap="none" rtlCol="0">
+            <a:spAutoFit/>
+          </a:bodyPr>
+          <a:lstStyle/>
+          <a:p>
+            <a:r>
+              <a:rPr lang="en-US" dirty="0" smtClean="0"/>
+              <a:t>Frame </a:t>
+            </a:r>
+            <a:r>
+              <a:rPr lang="en-US" dirty="0" smtClean="0"/>
+              <a:t>t-2</a:t>
+            </a:r>
+            <a:endParaRPr lang="en-US" dirty="0"/>
+          </a:p>
+        </p:txBody>
+      </p:sp>
+      <p:sp>
+        <p:nvSpPr>
+          <p:cNvPr id="27" name="Freeform 26"/>
+          <p:cNvSpPr/>
+          <p:nvPr/>
+        </p:nvSpPr>
+        <p:spPr>
+          <a:xfrm rot="4288163">
+            <a:off x="3161383" y="2075505"/>
+            <a:ext cx="422275" cy="265255"/>
+          </a:xfrm>
+          <a:custGeom>
+            <a:avLst/>
+            <a:gdLst>
+              <a:gd name="connsiteX0" fmla="*/ 0 w 422275"/>
+              <a:gd name="connsiteY0" fmla="*/ 265255 h 265255"/>
+              <a:gd name="connsiteX1" fmla="*/ 168275 w 422275"/>
+              <a:gd name="connsiteY1" fmla="*/ 11255 h 265255"/>
+              <a:gd name="connsiteX2" fmla="*/ 422275 w 422275"/>
+              <a:gd name="connsiteY2" fmla="*/ 68405 h 265255"/>
+            </a:gdLst>
+            <a:ahLst/>
+            <a:cxnLst>
+              <a:cxn ang="0">
+                <a:pos x="connsiteX0" y="connsiteY0"/>
+              </a:cxn>
+              <a:cxn ang="0">
+                <a:pos x="connsiteX1" y="connsiteY1"/>
+              </a:cxn>
+              <a:cxn ang="0">
+                <a:pos x="connsiteX2" y="connsiteY2"/>
+              </a:cxn>
+            </a:cxnLst>
+            <a:rect l="l" t="t" r="r" b="b"/>
+            <a:pathLst>
+              <a:path w="422275" h="265255">
+                <a:moveTo>
+                  <a:pt x="0" y="265255"/>
+                </a:moveTo>
+                <a:cubicBezTo>
+                  <a:pt x="48948" y="154659"/>
+                  <a:pt x="97896" y="44063"/>
+                  <a:pt x="168275" y="11255"/>
+                </a:cubicBezTo>
+                <a:cubicBezTo>
+                  <a:pt x="238654" y="-21553"/>
+                  <a:pt x="330464" y="23426"/>
+                  <a:pt x="422275" y="68405"/>
+                </a:cubicBezTo>
+              </a:path>
+            </a:pathLst>
+          </a:custGeom>
+          <a:ln>
+            <a:solidFill>
+              <a:schemeClr val="tx1"/>
+            </a:solidFill>
+          </a:ln>
+        </p:spPr>
+        <p:style>
+          <a:lnRef idx="1">
+            <a:schemeClr val="accent1"/>
+          </a:lnRef>
+          <a:fillRef idx="0">
+            <a:schemeClr val="accent1"/>
+          </a:fillRef>
+          <a:effectRef idx="0">
+            <a:schemeClr val="accent1"/>
+          </a:effectRef>
+          <a:fontRef idx="minor">
+            <a:schemeClr val="tx1"/>
+          </a:fontRef>
+        </p:style>
+        <p:txBody>
+          <a:bodyPr rtlCol="0" anchor="ctr"/>
+          <a:lstStyle/>
+          <a:p>
+            <a:pPr algn="ctr"/>
+            <a:endParaRPr lang="en-US">
+              <a:solidFill>
+                <a:schemeClr val="tx1"/>
+              </a:solidFill>
+            </a:endParaRPr>
+          </a:p>
+        </p:txBody>
+      </p:sp>
+      <p:sp>
+        <p:nvSpPr>
+          <p:cNvPr id="35" name="Rectangle 34"/>
+          <p:cNvSpPr/>
+          <p:nvPr/>
+        </p:nvSpPr>
+        <p:spPr>
+          <a:xfrm rot="4288163">
+            <a:off x="3277495" y="2327361"/>
+            <a:ext cx="460663" cy="492474"/>
+          </a:xfrm>
+          <a:prstGeom prst="rect">
+            <a:avLst/>
+          </a:prstGeom>
+          <a:noFill/>
+          <a:ln>
+            <a:solidFill>
+              <a:schemeClr val="accent1"/>
+            </a:solidFill>
+          </a:ln>
+        </p:spPr>
+        <p:style>
+          <a:lnRef idx="2">
+            <a:schemeClr val="accent1">
+              <a:shade val="50000"/>
+            </a:schemeClr>
+          </a:lnRef>
+          <a:fillRef idx="1">
+            <a:schemeClr val="accent1"/>
+          </a:fillRef>
+          <a:effectRef idx="0">
+            <a:schemeClr val="accent1"/>
+          </a:effectRef>
+          <a:fontRef idx="minor">
+            <a:schemeClr val="lt1"/>
+          </a:fontRef>
+        </p:style>
+        <p:txBody>
+          <a:bodyPr rtlCol="0" anchor="ctr"/>
+          <a:lstStyle/>
+          <a:p>
+            <a:pPr algn="ctr"/>
+            <a:endParaRPr lang="en-US"/>
+          </a:p>
+        </p:txBody>
+      </p:sp>
+      <p:sp>
+        <p:nvSpPr>
+          <p:cNvPr id="41" name="Oval 40"/>
+          <p:cNvSpPr/>
+          <p:nvPr/>
+        </p:nvSpPr>
+        <p:spPr>
+          <a:xfrm rot="4288163">
+            <a:off x="3487600" y="2550486"/>
+            <a:ext cx="45719" cy="45719"/>
+          </a:xfrm>
+          <a:prstGeom prst="ellipse">
+            <a:avLst/>
+          </a:prstGeom>
+          <a:solidFill>
+            <a:schemeClr val="accent1"/>
+          </a:solidFill>
+          <a:ln>
+            <a:noFill/>
+          </a:ln>
+        </p:spPr>
+        <p:style>
+          <a:lnRef idx="2">
+            <a:schemeClr val="accent1">
+              <a:shade val="50000"/>
+            </a:schemeClr>
+          </a:lnRef>
+          <a:fillRef idx="1">
+            <a:schemeClr val="accent1"/>
+          </a:fillRef>
+          <a:effectRef idx="0">
+            <a:schemeClr val="accent1"/>
+          </a:effectRef>
+          <a:fontRef idx="minor">
+            <a:schemeClr val="lt1"/>
+          </a:fontRef>
+        </p:style>
+        <p:txBody>
+          <a:bodyPr rtlCol="0" anchor="ctr"/>
+          <a:lstStyle/>
+          <a:p>
+            <a:pPr algn="ctr"/>
+            <a:endParaRPr lang="en-US"/>
+          </a:p>
+        </p:txBody>
+      </p:sp>
+      <p:pic>
+        <p:nvPicPr>
+          <p:cNvPr id="57" name="Picture 56"/>
+          <p:cNvPicPr>
+            <a:picLocks noChangeAspect="1"/>
+          </p:cNvPicPr>
+          <p:nvPr/>
+        </p:nvPicPr>
+        <p:blipFill>
+          <a:blip r:embed="rId2"/>
+          <a:stretch>
+            <a:fillRect/>
+          </a:stretch>
+        </p:blipFill>
+        <p:spPr>
+          <a:xfrm rot="5084030">
+            <a:off x="7312724" y="1424131"/>
+            <a:ext cx="542366" cy="552504"/>
+          </a:xfrm>
+          <a:prstGeom prst="rect">
+            <a:avLst/>
+          </a:prstGeom>
+        </p:spPr>
+      </p:pic>
+      <p:sp>
+        <p:nvSpPr>
+          <p:cNvPr id="60" name="Rectangle 59"/>
+          <p:cNvSpPr/>
+          <p:nvPr/>
+        </p:nvSpPr>
+        <p:spPr>
+          <a:xfrm>
+            <a:off x="4130128" y="2268638"/>
+            <a:ext cx="3900668" cy="2280213"/>
+          </a:xfrm>
+          <a:prstGeom prst="rect">
+            <a:avLst/>
+          </a:prstGeom>
+          <a:noFill/>
+          <a:ln>
+            <a:solidFill>
+              <a:schemeClr val="tx1"/>
+            </a:solidFill>
+          </a:ln>
+        </p:spPr>
+        <p:style>
+          <a:lnRef idx="2">
+            <a:schemeClr val="accent1">
+              <a:shade val="50000"/>
+            </a:schemeClr>
+          </a:lnRef>
+          <a:fillRef idx="1">
+            <a:schemeClr val="accent1"/>
+          </a:fillRef>
+          <a:effectRef idx="0">
+            <a:schemeClr val="accent1"/>
+          </a:effectRef>
+          <a:fontRef idx="minor">
+            <a:schemeClr val="lt1"/>
+          </a:fontRef>
+        </p:style>
+        <p:txBody>
+          <a:bodyPr rtlCol="0" anchor="ctr"/>
+          <a:lstStyle/>
+          <a:p>
+            <a:pPr algn="ctr"/>
+            <a:r>
+              <a:rPr lang="en-US" dirty="0" smtClean="0"/>
+              <a:t>CV</a:t>
+            </a:r>
+            <a:endParaRPr lang="en-US" dirty="0"/>
+          </a:p>
+        </p:txBody>
+      </p:sp>
+      <p:sp>
+        <p:nvSpPr>
+          <p:cNvPr id="61" name="TextBox 60"/>
+          <p:cNvSpPr txBox="1"/>
+          <p:nvPr/>
+        </p:nvSpPr>
+        <p:spPr>
+          <a:xfrm>
+            <a:off x="4095907" y="1899306"/>
+            <a:ext cx="1093633" cy="369332"/>
+          </a:xfrm>
+          <a:prstGeom prst="rect">
+            <a:avLst/>
+          </a:prstGeom>
+          <a:noFill/>
+        </p:spPr>
+        <p:txBody>
+          <a:bodyPr wrap="none" rtlCol="0">
+            <a:spAutoFit/>
+          </a:bodyPr>
+          <a:lstStyle/>
+          <a:p>
+            <a:r>
+              <a:rPr lang="en-US" dirty="0" smtClean="0"/>
+              <a:t>Frame t-1</a:t>
+            </a:r>
+            <a:endParaRPr lang="en-US" dirty="0"/>
+          </a:p>
+        </p:txBody>
+      </p:sp>
+      <p:sp>
+        <p:nvSpPr>
+          <p:cNvPr id="5" name="Freeform 4"/>
+          <p:cNvSpPr/>
+          <p:nvPr/>
+        </p:nvSpPr>
+        <p:spPr>
+          <a:xfrm>
+            <a:off x="7295128" y="1712422"/>
+            <a:ext cx="61632" cy="432262"/>
+          </a:xfrm>
+          <a:custGeom>
+            <a:avLst/>
+            <a:gdLst>
+              <a:gd name="connsiteX0" fmla="*/ 11756 w 61632"/>
+              <a:gd name="connsiteY0" fmla="*/ 432262 h 432262"/>
+              <a:gd name="connsiteX1" fmla="*/ 3443 w 61632"/>
+              <a:gd name="connsiteY1" fmla="*/ 124691 h 432262"/>
+              <a:gd name="connsiteX2" fmla="*/ 61632 w 61632"/>
+              <a:gd name="connsiteY2" fmla="*/ 0 h 432262"/>
+            </a:gdLst>
+            <a:ahLst/>
+            <a:cxnLst>
+              <a:cxn ang="0">
+                <a:pos x="connsiteX0" y="connsiteY0"/>
+              </a:cxn>
+              <a:cxn ang="0">
+                <a:pos x="connsiteX1" y="connsiteY1"/>
+              </a:cxn>
+              <a:cxn ang="0">
+                <a:pos x="connsiteX2" y="connsiteY2"/>
+              </a:cxn>
+            </a:cxnLst>
+            <a:rect l="l" t="t" r="r" b="b"/>
+            <a:pathLst>
+              <a:path w="61632" h="432262">
+                <a:moveTo>
+                  <a:pt x="11756" y="432262"/>
+                </a:moveTo>
+                <a:cubicBezTo>
+                  <a:pt x="3443" y="314498"/>
+                  <a:pt x="-4870" y="196735"/>
+                  <a:pt x="3443" y="124691"/>
+                </a:cubicBezTo>
+                <a:cubicBezTo>
+                  <a:pt x="11756" y="52647"/>
+                  <a:pt x="53319" y="33251"/>
+                  <a:pt x="61632" y="0"/>
+                </a:cubicBezTo>
+              </a:path>
+            </a:pathLst>
+          </a:custGeom>
+          <a:ln>
+            <a:solidFill>
+              <a:schemeClr val="tx1"/>
+            </a:solidFill>
+          </a:ln>
+        </p:spPr>
+        <p:style>
+          <a:lnRef idx="1">
+            <a:schemeClr val="accent1"/>
+          </a:lnRef>
+          <a:fillRef idx="0">
+            <a:schemeClr val="accent1"/>
+          </a:fillRef>
+          <a:effectRef idx="0">
+            <a:schemeClr val="accent1"/>
+          </a:effectRef>
+          <a:fontRef idx="minor">
+            <a:schemeClr val="tx1"/>
+          </a:fontRef>
+        </p:style>
+        <p:txBody>
+          <a:bodyPr rtlCol="0" anchor="ctr"/>
+          <a:lstStyle/>
+          <a:p>
+            <a:pPr algn="ctr"/>
+            <a:endParaRPr lang="en-US">
+              <a:solidFill>
+                <a:schemeClr val="tx1"/>
+              </a:solidFill>
+            </a:endParaRPr>
+          </a:p>
+        </p:txBody>
+      </p:sp>
+      <p:sp>
+        <p:nvSpPr>
+          <p:cNvPr id="74" name="Oval 73"/>
+          <p:cNvSpPr/>
+          <p:nvPr/>
+        </p:nvSpPr>
+        <p:spPr>
+          <a:xfrm>
+            <a:off x="7469373" y="2551345"/>
+            <a:ext cx="45719" cy="45719"/>
+          </a:xfrm>
+          <a:prstGeom prst="ellipse">
+            <a:avLst/>
+          </a:prstGeom>
+          <a:solidFill>
+            <a:srgbClr val="FF0000"/>
+          </a:solidFill>
+          <a:ln>
+            <a:noFill/>
+          </a:ln>
+        </p:spPr>
+        <p:style>
+          <a:lnRef idx="2">
+            <a:schemeClr val="accent1">
+              <a:shade val="50000"/>
+            </a:schemeClr>
+          </a:lnRef>
+          <a:fillRef idx="1">
+            <a:schemeClr val="accent1"/>
+          </a:fillRef>
+          <a:effectRef idx="0">
+            <a:schemeClr val="accent1"/>
+          </a:effectRef>
+          <a:fontRef idx="minor">
+            <a:schemeClr val="lt1"/>
+          </a:fontRef>
+        </p:style>
+        <p:txBody>
+          <a:bodyPr rtlCol="0" anchor="ctr"/>
+          <a:lstStyle/>
+          <a:p>
+            <a:pPr algn="ctr"/>
+            <a:endParaRPr lang="en-US"/>
+          </a:p>
+        </p:txBody>
+      </p:sp>
+      <p:pic>
+        <p:nvPicPr>
+          <p:cNvPr id="75" name="Picture 74"/>
+          <p:cNvPicPr>
+            <a:picLocks noChangeAspect="1"/>
+          </p:cNvPicPr>
+          <p:nvPr/>
+        </p:nvPicPr>
+        <p:blipFill>
+          <a:blip r:embed="rId2"/>
+          <a:stretch>
+            <a:fillRect/>
+          </a:stretch>
+        </p:blipFill>
+        <p:spPr>
+          <a:xfrm rot="4288163">
+            <a:off x="4588950" y="3927680"/>
+            <a:ext cx="542366" cy="552504"/>
+          </a:xfrm>
+          <a:prstGeom prst="rect">
+            <a:avLst/>
+          </a:prstGeom>
+        </p:spPr>
+      </p:pic>
+      <p:sp>
+        <p:nvSpPr>
+          <p:cNvPr id="76" name="Rectangle 75"/>
+          <p:cNvSpPr/>
+          <p:nvPr/>
+        </p:nvSpPr>
+        <p:spPr>
+          <a:xfrm rot="4288163">
+            <a:off x="4641445" y="3949760"/>
+            <a:ext cx="460663" cy="492474"/>
+          </a:xfrm>
+          <a:prstGeom prst="rect">
+            <a:avLst/>
+          </a:prstGeom>
+          <a:noFill/>
+          <a:ln>
+            <a:solidFill>
+              <a:schemeClr val="accent1"/>
+            </a:solidFill>
+          </a:ln>
+        </p:spPr>
+        <p:style>
+          <a:lnRef idx="2">
+            <a:schemeClr val="accent1">
+              <a:shade val="50000"/>
+            </a:schemeClr>
+          </a:lnRef>
+          <a:fillRef idx="1">
+            <a:schemeClr val="accent1"/>
+          </a:fillRef>
+          <a:effectRef idx="0">
+            <a:schemeClr val="accent1"/>
+          </a:effectRef>
+          <a:fontRef idx="minor">
+            <a:schemeClr val="lt1"/>
+          </a:fontRef>
+        </p:style>
+        <p:txBody>
+          <a:bodyPr rtlCol="0" anchor="ctr"/>
+          <a:lstStyle/>
+          <a:p>
+            <a:pPr algn="ctr"/>
+            <a:endParaRPr lang="en-US"/>
+          </a:p>
+        </p:txBody>
+      </p:sp>
+      <p:sp>
+        <p:nvSpPr>
+          <p:cNvPr id="77" name="Oval 76"/>
+          <p:cNvSpPr/>
+          <p:nvPr/>
+        </p:nvSpPr>
+        <p:spPr>
+          <a:xfrm rot="4288163">
+            <a:off x="4851550" y="4172885"/>
+            <a:ext cx="45719" cy="45719"/>
+          </a:xfrm>
+          <a:prstGeom prst="ellipse">
+            <a:avLst/>
+          </a:prstGeom>
+          <a:solidFill>
+            <a:schemeClr val="accent1"/>
+          </a:solidFill>
+          <a:ln>
+            <a:noFill/>
+          </a:ln>
+        </p:spPr>
+        <p:style>
+          <a:lnRef idx="2">
+            <a:schemeClr val="accent1">
+              <a:shade val="50000"/>
+            </a:schemeClr>
+          </a:lnRef>
+          <a:fillRef idx="1">
+            <a:schemeClr val="accent1"/>
+          </a:fillRef>
+          <a:effectRef idx="0">
+            <a:schemeClr val="accent1"/>
+          </a:effectRef>
+          <a:fontRef idx="minor">
+            <a:schemeClr val="lt1"/>
+          </a:fontRef>
+        </p:style>
+        <p:txBody>
+          <a:bodyPr rtlCol="0" anchor="ctr"/>
+          <a:lstStyle/>
+          <a:p>
+            <a:pPr algn="ctr"/>
+            <a:endParaRPr lang="en-US"/>
+          </a:p>
+        </p:txBody>
+      </p:sp>
+      <p:sp>
+        <p:nvSpPr>
+          <p:cNvPr id="10" name="Freeform 9"/>
+          <p:cNvSpPr/>
+          <p:nvPr/>
+        </p:nvSpPr>
+        <p:spPr>
+          <a:xfrm>
+            <a:off x="4272738" y="4256116"/>
+            <a:ext cx="390698" cy="100692"/>
+          </a:xfrm>
+          <a:custGeom>
+            <a:avLst/>
+            <a:gdLst>
+              <a:gd name="connsiteX0" fmla="*/ 0 w 390698"/>
+              <a:gd name="connsiteY0" fmla="*/ 41564 h 100692"/>
+              <a:gd name="connsiteX1" fmla="*/ 290946 w 390698"/>
+              <a:gd name="connsiteY1" fmla="*/ 99753 h 100692"/>
+              <a:gd name="connsiteX2" fmla="*/ 390698 w 390698"/>
+              <a:gd name="connsiteY2" fmla="*/ 0 h 100692"/>
+            </a:gdLst>
+            <a:ahLst/>
+            <a:cxnLst>
+              <a:cxn ang="0">
+                <a:pos x="connsiteX0" y="connsiteY0"/>
+              </a:cxn>
+              <a:cxn ang="0">
+                <a:pos x="connsiteX1" y="connsiteY1"/>
+              </a:cxn>
+              <a:cxn ang="0">
+                <a:pos x="connsiteX2" y="connsiteY2"/>
+              </a:cxn>
+            </a:cxnLst>
+            <a:rect l="l" t="t" r="r" b="b"/>
+            <a:pathLst>
+              <a:path w="390698" h="100692">
+                <a:moveTo>
+                  <a:pt x="0" y="41564"/>
+                </a:moveTo>
+                <a:cubicBezTo>
+                  <a:pt x="112915" y="74122"/>
+                  <a:pt x="225830" y="106680"/>
+                  <a:pt x="290946" y="99753"/>
+                </a:cubicBezTo>
+                <a:cubicBezTo>
+                  <a:pt x="356062" y="92826"/>
+                  <a:pt x="373380" y="46413"/>
+                  <a:pt x="390698" y="0"/>
+                </a:cubicBezTo>
+              </a:path>
+            </a:pathLst>
+          </a:custGeom>
+          <a:ln>
+            <a:solidFill>
+              <a:schemeClr val="tx1"/>
+            </a:solidFill>
+          </a:ln>
+        </p:spPr>
+        <p:style>
+          <a:lnRef idx="1">
+            <a:schemeClr val="accent1"/>
+          </a:lnRef>
+          <a:fillRef idx="0">
+            <a:schemeClr val="accent1"/>
+          </a:fillRef>
+          <a:effectRef idx="0">
+            <a:schemeClr val="accent1"/>
+          </a:effectRef>
+          <a:fontRef idx="minor">
+            <a:schemeClr val="tx1"/>
+          </a:fontRef>
+        </p:style>
+        <p:txBody>
+          <a:bodyPr rtlCol="0" anchor="ctr"/>
+          <a:lstStyle/>
+          <a:p>
+            <a:pPr algn="ctr"/>
+            <a:endParaRPr lang="en-US">
+              <a:solidFill>
+                <a:schemeClr val="tx1"/>
+              </a:solidFill>
+            </a:endParaRPr>
+          </a:p>
+        </p:txBody>
+      </p:sp>
+      <p:sp>
+        <p:nvSpPr>
+          <p:cNvPr id="11" name="TextBox 10"/>
+          <p:cNvSpPr txBox="1"/>
+          <p:nvPr/>
+        </p:nvSpPr>
+        <p:spPr>
+          <a:xfrm>
+            <a:off x="3589746" y="2658161"/>
+            <a:ext cx="276038" cy="307777"/>
+          </a:xfrm>
+          <a:prstGeom prst="rect">
+            <a:avLst/>
+          </a:prstGeom>
+          <a:noFill/>
+        </p:spPr>
+        <p:txBody>
+          <a:bodyPr wrap="none" rtlCol="0">
+            <a:spAutoFit/>
+          </a:bodyPr>
+          <a:lstStyle/>
+          <a:p>
+            <a:r>
+              <a:rPr lang="en-US" sz="1400" dirty="0" smtClean="0"/>
+              <a:t>1</a:t>
+            </a:r>
+            <a:endParaRPr lang="en-US" sz="1400" dirty="0"/>
+          </a:p>
+        </p:txBody>
+      </p:sp>
+      <p:sp>
+        <p:nvSpPr>
+          <p:cNvPr id="78" name="TextBox 77"/>
+          <p:cNvSpPr txBox="1"/>
+          <p:nvPr/>
+        </p:nvSpPr>
+        <p:spPr>
+          <a:xfrm>
+            <a:off x="7469373" y="2544406"/>
+            <a:ext cx="276038" cy="307777"/>
+          </a:xfrm>
+          <a:prstGeom prst="rect">
+            <a:avLst/>
+          </a:prstGeom>
+          <a:noFill/>
+        </p:spPr>
+        <p:txBody>
+          <a:bodyPr wrap="none" rtlCol="0">
+            <a:spAutoFit/>
+          </a:bodyPr>
+          <a:lstStyle/>
+          <a:p>
+            <a:r>
+              <a:rPr lang="en-US" sz="1400" dirty="0" smtClean="0"/>
+              <a:t>1</a:t>
+            </a:r>
+            <a:endParaRPr lang="en-US" sz="1400" dirty="0"/>
+          </a:p>
+        </p:txBody>
+      </p:sp>
+      <p:pic>
+        <p:nvPicPr>
+          <p:cNvPr id="79" name="Picture 78"/>
+          <p:cNvPicPr>
+            <a:picLocks noChangeAspect="1"/>
+          </p:cNvPicPr>
+          <p:nvPr/>
+        </p:nvPicPr>
+        <p:blipFill>
+          <a:blip r:embed="rId2"/>
+          <a:stretch>
+            <a:fillRect/>
+          </a:stretch>
+        </p:blipFill>
+        <p:spPr>
+          <a:xfrm rot="5084030">
+            <a:off x="11423370" y="1424131"/>
+            <a:ext cx="542366" cy="552504"/>
+          </a:xfrm>
+          <a:prstGeom prst="rect">
+            <a:avLst/>
+          </a:prstGeom>
+        </p:spPr>
+      </p:pic>
+      <p:sp>
+        <p:nvSpPr>
+          <p:cNvPr id="80" name="Rectangle 79"/>
+          <p:cNvSpPr/>
+          <p:nvPr/>
+        </p:nvSpPr>
+        <p:spPr>
+          <a:xfrm>
+            <a:off x="8240774" y="2268638"/>
+            <a:ext cx="3900668" cy="2280213"/>
+          </a:xfrm>
+          <a:prstGeom prst="rect">
+            <a:avLst/>
+          </a:prstGeom>
+          <a:noFill/>
+          <a:ln>
+            <a:solidFill>
+              <a:schemeClr val="tx1"/>
+            </a:solidFill>
+          </a:ln>
+        </p:spPr>
+        <p:style>
+          <a:lnRef idx="2">
+            <a:schemeClr val="accent1">
+              <a:shade val="50000"/>
+            </a:schemeClr>
+          </a:lnRef>
+          <a:fillRef idx="1">
+            <a:schemeClr val="accent1"/>
+          </a:fillRef>
+          <a:effectRef idx="0">
+            <a:schemeClr val="accent1"/>
+          </a:effectRef>
+          <a:fontRef idx="minor">
+            <a:schemeClr val="lt1"/>
+          </a:fontRef>
+        </p:style>
+        <p:txBody>
+          <a:bodyPr rtlCol="0" anchor="ctr"/>
+          <a:lstStyle/>
+          <a:p>
+            <a:pPr algn="ctr"/>
+            <a:r>
+              <a:rPr lang="en-US" dirty="0" smtClean="0"/>
+              <a:t>CV</a:t>
+            </a:r>
+            <a:endParaRPr lang="en-US" dirty="0"/>
+          </a:p>
+        </p:txBody>
+      </p:sp>
+      <p:sp>
+        <p:nvSpPr>
+          <p:cNvPr id="81" name="TextBox 80"/>
+          <p:cNvSpPr txBox="1"/>
+          <p:nvPr/>
+        </p:nvSpPr>
+        <p:spPr>
+          <a:xfrm>
+            <a:off x="8206553" y="1899306"/>
+            <a:ext cx="906082" cy="369332"/>
+          </a:xfrm>
+          <a:prstGeom prst="rect">
+            <a:avLst/>
+          </a:prstGeom>
+          <a:noFill/>
+        </p:spPr>
+        <p:txBody>
+          <a:bodyPr wrap="none" rtlCol="0">
+            <a:spAutoFit/>
+          </a:bodyPr>
+          <a:lstStyle/>
+          <a:p>
+            <a:r>
+              <a:rPr lang="en-US" dirty="0" smtClean="0"/>
+              <a:t>Frame </a:t>
+            </a:r>
+            <a:r>
+              <a:rPr lang="en-US" dirty="0" smtClean="0"/>
+              <a:t>t</a:t>
+            </a:r>
+            <a:endParaRPr lang="en-US" dirty="0"/>
+          </a:p>
+        </p:txBody>
+      </p:sp>
+      <p:sp>
+        <p:nvSpPr>
+          <p:cNvPr id="82" name="Freeform 81"/>
+          <p:cNvSpPr/>
+          <p:nvPr/>
+        </p:nvSpPr>
+        <p:spPr>
+          <a:xfrm>
+            <a:off x="11405774" y="1712422"/>
+            <a:ext cx="61632" cy="432262"/>
+          </a:xfrm>
+          <a:custGeom>
+            <a:avLst/>
+            <a:gdLst>
+              <a:gd name="connsiteX0" fmla="*/ 11756 w 61632"/>
+              <a:gd name="connsiteY0" fmla="*/ 432262 h 432262"/>
+              <a:gd name="connsiteX1" fmla="*/ 3443 w 61632"/>
+              <a:gd name="connsiteY1" fmla="*/ 124691 h 432262"/>
+              <a:gd name="connsiteX2" fmla="*/ 61632 w 61632"/>
+              <a:gd name="connsiteY2" fmla="*/ 0 h 432262"/>
+            </a:gdLst>
+            <a:ahLst/>
+            <a:cxnLst>
+              <a:cxn ang="0">
+                <a:pos x="connsiteX0" y="connsiteY0"/>
+              </a:cxn>
+              <a:cxn ang="0">
+                <a:pos x="connsiteX1" y="connsiteY1"/>
+              </a:cxn>
+              <a:cxn ang="0">
+                <a:pos x="connsiteX2" y="connsiteY2"/>
+              </a:cxn>
+            </a:cxnLst>
+            <a:rect l="l" t="t" r="r" b="b"/>
+            <a:pathLst>
+              <a:path w="61632" h="432262">
+                <a:moveTo>
+                  <a:pt x="11756" y="432262"/>
+                </a:moveTo>
+                <a:cubicBezTo>
+                  <a:pt x="3443" y="314498"/>
+                  <a:pt x="-4870" y="196735"/>
+                  <a:pt x="3443" y="124691"/>
+                </a:cubicBezTo>
+                <a:cubicBezTo>
+                  <a:pt x="11756" y="52647"/>
+                  <a:pt x="53319" y="33251"/>
+                  <a:pt x="61632" y="0"/>
+                </a:cubicBezTo>
+              </a:path>
+            </a:pathLst>
+          </a:custGeom>
+          <a:ln>
+            <a:solidFill>
+              <a:schemeClr val="tx1"/>
+            </a:solidFill>
+          </a:ln>
+        </p:spPr>
+        <p:style>
+          <a:lnRef idx="1">
+            <a:schemeClr val="accent1"/>
+          </a:lnRef>
+          <a:fillRef idx="0">
+            <a:schemeClr val="accent1"/>
+          </a:fillRef>
+          <a:effectRef idx="0">
+            <a:schemeClr val="accent1"/>
+          </a:effectRef>
+          <a:fontRef idx="minor">
+            <a:schemeClr val="tx1"/>
+          </a:fontRef>
+        </p:style>
+        <p:txBody>
+          <a:bodyPr rtlCol="0" anchor="ctr"/>
+          <a:lstStyle/>
+          <a:p>
+            <a:pPr algn="ctr"/>
+            <a:endParaRPr lang="en-US">
+              <a:solidFill>
+                <a:schemeClr val="tx1"/>
+              </a:solidFill>
+            </a:endParaRPr>
+          </a:p>
+        </p:txBody>
+      </p:sp>
+      <p:pic>
+        <p:nvPicPr>
+          <p:cNvPr id="84" name="Picture 83"/>
+          <p:cNvPicPr>
+            <a:picLocks noChangeAspect="1"/>
+          </p:cNvPicPr>
+          <p:nvPr/>
+        </p:nvPicPr>
+        <p:blipFill>
+          <a:blip r:embed="rId2"/>
+          <a:stretch>
+            <a:fillRect/>
+          </a:stretch>
+        </p:blipFill>
+        <p:spPr>
+          <a:xfrm rot="4288163">
+            <a:off x="8699596" y="3927680"/>
+            <a:ext cx="542366" cy="552504"/>
+          </a:xfrm>
+          <a:prstGeom prst="rect">
+            <a:avLst/>
+          </a:prstGeom>
+        </p:spPr>
+      </p:pic>
+      <p:sp>
+        <p:nvSpPr>
+          <p:cNvPr id="85" name="Rectangle 84"/>
+          <p:cNvSpPr/>
+          <p:nvPr/>
+        </p:nvSpPr>
+        <p:spPr>
+          <a:xfrm rot="4288163">
+            <a:off x="8752091" y="3949760"/>
+            <a:ext cx="460663" cy="492474"/>
+          </a:xfrm>
+          <a:prstGeom prst="rect">
+            <a:avLst/>
+          </a:prstGeom>
+          <a:noFill/>
+          <a:ln>
+            <a:solidFill>
+              <a:schemeClr val="accent1"/>
+            </a:solidFill>
+          </a:ln>
+        </p:spPr>
+        <p:style>
+          <a:lnRef idx="2">
+            <a:schemeClr val="accent1">
+              <a:shade val="50000"/>
+            </a:schemeClr>
+          </a:lnRef>
+          <a:fillRef idx="1">
+            <a:schemeClr val="accent1"/>
+          </a:fillRef>
+          <a:effectRef idx="0">
+            <a:schemeClr val="accent1"/>
+          </a:effectRef>
+          <a:fontRef idx="minor">
+            <a:schemeClr val="lt1"/>
+          </a:fontRef>
+        </p:style>
+        <p:txBody>
+          <a:bodyPr rtlCol="0" anchor="ctr"/>
+          <a:lstStyle/>
+          <a:p>
+            <a:pPr algn="ctr"/>
+            <a:endParaRPr lang="en-US"/>
+          </a:p>
+        </p:txBody>
+      </p:sp>
+      <p:sp>
+        <p:nvSpPr>
+          <p:cNvPr id="86" name="Oval 85"/>
+          <p:cNvSpPr/>
+          <p:nvPr/>
+        </p:nvSpPr>
+        <p:spPr>
+          <a:xfrm rot="4288163">
+            <a:off x="8962196" y="4172885"/>
+            <a:ext cx="45719" cy="45719"/>
+          </a:xfrm>
+          <a:prstGeom prst="ellipse">
+            <a:avLst/>
+          </a:prstGeom>
+          <a:solidFill>
+            <a:schemeClr val="accent1"/>
+          </a:solidFill>
+          <a:ln>
+            <a:noFill/>
+          </a:ln>
+        </p:spPr>
+        <p:style>
+          <a:lnRef idx="2">
+            <a:schemeClr val="accent1">
+              <a:shade val="50000"/>
+            </a:schemeClr>
+          </a:lnRef>
+          <a:fillRef idx="1">
+            <a:schemeClr val="accent1"/>
+          </a:fillRef>
+          <a:effectRef idx="0">
+            <a:schemeClr val="accent1"/>
+          </a:effectRef>
+          <a:fontRef idx="minor">
+            <a:schemeClr val="lt1"/>
+          </a:fontRef>
+        </p:style>
+        <p:txBody>
+          <a:bodyPr rtlCol="0" anchor="ctr"/>
+          <a:lstStyle/>
+          <a:p>
+            <a:pPr algn="ctr"/>
+            <a:endParaRPr lang="en-US"/>
+          </a:p>
+        </p:txBody>
+      </p:sp>
+      <p:sp>
+        <p:nvSpPr>
+          <p:cNvPr id="87" name="Freeform 86"/>
+          <p:cNvSpPr/>
+          <p:nvPr/>
+        </p:nvSpPr>
+        <p:spPr>
+          <a:xfrm>
+            <a:off x="8383384" y="4256116"/>
+            <a:ext cx="390698" cy="100692"/>
+          </a:xfrm>
+          <a:custGeom>
+            <a:avLst/>
+            <a:gdLst>
+              <a:gd name="connsiteX0" fmla="*/ 0 w 390698"/>
+              <a:gd name="connsiteY0" fmla="*/ 41564 h 100692"/>
+              <a:gd name="connsiteX1" fmla="*/ 290946 w 390698"/>
+              <a:gd name="connsiteY1" fmla="*/ 99753 h 100692"/>
+              <a:gd name="connsiteX2" fmla="*/ 390698 w 390698"/>
+              <a:gd name="connsiteY2" fmla="*/ 0 h 100692"/>
+            </a:gdLst>
+            <a:ahLst/>
+            <a:cxnLst>
+              <a:cxn ang="0">
+                <a:pos x="connsiteX0" y="connsiteY0"/>
+              </a:cxn>
+              <a:cxn ang="0">
+                <a:pos x="connsiteX1" y="connsiteY1"/>
+              </a:cxn>
+              <a:cxn ang="0">
+                <a:pos x="connsiteX2" y="connsiteY2"/>
+              </a:cxn>
+            </a:cxnLst>
+            <a:rect l="l" t="t" r="r" b="b"/>
+            <a:pathLst>
+              <a:path w="390698" h="100692">
+                <a:moveTo>
+                  <a:pt x="0" y="41564"/>
+                </a:moveTo>
+                <a:cubicBezTo>
+                  <a:pt x="112915" y="74122"/>
+                  <a:pt x="225830" y="106680"/>
+                  <a:pt x="290946" y="99753"/>
+                </a:cubicBezTo>
+                <a:cubicBezTo>
+                  <a:pt x="356062" y="92826"/>
+                  <a:pt x="373380" y="46413"/>
+                  <a:pt x="390698" y="0"/>
+                </a:cubicBezTo>
+              </a:path>
+            </a:pathLst>
+          </a:custGeom>
+          <a:ln>
+            <a:solidFill>
+              <a:schemeClr val="tx1"/>
+            </a:solidFill>
+          </a:ln>
+        </p:spPr>
+        <p:style>
+          <a:lnRef idx="1">
+            <a:schemeClr val="accent1"/>
+          </a:lnRef>
+          <a:fillRef idx="0">
+            <a:schemeClr val="accent1"/>
+          </a:fillRef>
+          <a:effectRef idx="0">
+            <a:schemeClr val="accent1"/>
+          </a:effectRef>
+          <a:fontRef idx="minor">
+            <a:schemeClr val="tx1"/>
+          </a:fontRef>
+        </p:style>
+        <p:txBody>
+          <a:bodyPr rtlCol="0" anchor="ctr"/>
+          <a:lstStyle/>
+          <a:p>
+            <a:pPr algn="ctr"/>
+            <a:endParaRPr lang="en-US">
+              <a:solidFill>
+                <a:schemeClr val="tx1"/>
+              </a:solidFill>
+            </a:endParaRPr>
+          </a:p>
+        </p:txBody>
+      </p:sp>
+      <p:sp>
+        <p:nvSpPr>
+          <p:cNvPr id="88" name="TextBox 87"/>
+          <p:cNvSpPr txBox="1"/>
+          <p:nvPr/>
+        </p:nvSpPr>
+        <p:spPr>
+          <a:xfrm>
+            <a:off x="9252834" y="4166805"/>
+            <a:ext cx="276038" cy="307777"/>
+          </a:xfrm>
+          <a:prstGeom prst="rect">
+            <a:avLst/>
+          </a:prstGeom>
+          <a:noFill/>
+        </p:spPr>
+        <p:txBody>
+          <a:bodyPr wrap="none" rtlCol="0">
+            <a:spAutoFit/>
+          </a:bodyPr>
+          <a:lstStyle/>
+          <a:p>
+            <a:r>
+              <a:rPr lang="en-US" sz="1400" dirty="0" smtClean="0"/>
+              <a:t>1</a:t>
+            </a:r>
+            <a:endParaRPr lang="en-US" sz="1400" dirty="0"/>
+          </a:p>
+        </p:txBody>
+      </p:sp>
+    </p:spTree>
+    <p:extLst>
+      <p:ext uri="{BB962C8B-B14F-4D97-AF65-F5344CB8AC3E}">
+        <p14:creationId xmlns:p14="http://schemas.microsoft.com/office/powerpoint/2010/main" val="337516534"/>
+      </p:ext>
+    </p:extLst>
+  </p:cSld>
+  <p:clrMapOvr>
+    <a:masterClrMapping/>
+  </p:clrMapOvr>
+</p:sld>
+</file>
+
+<file path=ppt/slides/slide3.xml><?xml version="1.0" encoding="utf-8"?>
+<p:sld xmlns:a="http://schemas.openxmlformats.org/drawingml/2006/main" xmlns:r="http://schemas.openxmlformats.org/officeDocument/2006/relationships" xmlns:p="http://schemas.openxmlformats.org/presentationml/2006/main">
+  <p:cSld>
+    <p:spTree>
+      <p:nvGrpSpPr>
+        <p:cNvPr id="1" name=""/>
+        <p:cNvGrpSpPr/>
+        <p:nvPr/>
+      </p:nvGrpSpPr>
+      <p:grpSpPr>
+        <a:xfrm>
+          <a:off x="0" y="0"/>
+          <a:ext cx="0" cy="0"/>
+          <a:chOff x="0" y="0"/>
+          <a:chExt cx="0" cy="0"/>
+        </a:xfrm>
+      </p:grpSpPr>
       <p:sp>
         <p:nvSpPr>
           <p:cNvPr id="5" name="Rectangle 4"/>
